--- a/SistemasEmbarcadosDia07.pptx
+++ b/SistemasEmbarcadosDia07.pptx
@@ -221,7 +221,7 @@
           <a:p>
             <a:fld id="{EB1822DD-A617-8D45-B192-4D1187F731DF}" type="datetimeFigureOut">
               <a:rPr lang="pt-BR" smtClean="0"/>
-              <a:t>27/07/2021</a:t>
+              <a:t>28/07/2021</a:t>
             </a:fld>
             <a:endParaRPr lang="pt-BR"/>
           </a:p>
@@ -386,7 +386,7 @@
           <a:p>
             <a:fld id="{9B859A10-7A66-AF45-B4DD-A8B078F206A6}" type="datetimeFigureOut">
               <a:rPr lang="pt-BR" smtClean="0"/>
-              <a:t>27/07/2021</a:t>
+              <a:t>28/07/2021</a:t>
             </a:fld>
             <a:endParaRPr lang="pt-BR"/>
           </a:p>
@@ -2990,7 +2990,10 @@
           <a:bodyPr/>
           <a:lstStyle/>
           <a:p>
-            <a:endParaRPr lang="pt-BR"/>
+            <a:r>
+              <a:rPr lang="pt-BR" dirty="0"/>
+              <a:t>Criação do segundo projeto (Requisitos)</a:t>
+            </a:r>
           </a:p>
         </p:txBody>
       </p:sp>
@@ -3010,12 +3013,47 @@
             <p:ph type="body" sz="quarter" idx="10"/>
           </p:nvPr>
         </p:nvSpPr>
-        <p:spPr/>
+        <p:spPr>
+          <a:xfrm>
+            <a:off x="246000" y="1062317"/>
+            <a:ext cx="11700000" cy="3580803"/>
+          </a:xfrm>
+        </p:spPr>
         <p:txBody>
           <a:bodyPr/>
           <a:lstStyle/>
           <a:p>
-            <a:endParaRPr lang="pt-BR"/>
+            <a:r>
+              <a:rPr lang="pt-BR" dirty="0"/>
+              <a:t>O aluno deverá criar uma função para escrever um número inteiro de 0 a 9 no display.</a:t>
+            </a:r>
+          </a:p>
+          <a:p>
+            <a:endParaRPr lang="pt-BR" dirty="0"/>
+          </a:p>
+          <a:p>
+            <a:endParaRPr lang="pt-BR" dirty="0"/>
+          </a:p>
+          <a:p>
+            <a:pPr marL="0" indent="0">
+              <a:buNone/>
+            </a:pPr>
+            <a:r>
+              <a:rPr lang="pt-BR" dirty="0" err="1"/>
+              <a:t>void</a:t>
+            </a:r>
+            <a:r>
+              <a:rPr lang="pt-BR" dirty="0"/>
+              <a:t> </a:t>
+            </a:r>
+            <a:r>
+              <a:rPr lang="pt-BR" dirty="0" err="1"/>
+              <a:t>escreveDisplay</a:t>
+            </a:r>
+            <a:r>
+              <a:rPr lang="pt-BR" dirty="0"/>
+              <a:t>()</a:t>
+            </a:r>
           </a:p>
         </p:txBody>
       </p:sp>
